--- a/Prezentáció(elkezdve).pptx
+++ b/Prezentáció(elkezdve).pptx
@@ -7,8 +7,9 @@
   <p:sldIdLst>
     <p:sldId id="256" r:id="rId2"/>
     <p:sldId id="260" r:id="rId3"/>
-    <p:sldId id="259" r:id="rId4"/>
-    <p:sldId id="257" r:id="rId5"/>
+    <p:sldId id="262" r:id="rId4"/>
+    <p:sldId id="261" r:id="rId5"/>
+    <p:sldId id="257" r:id="rId6"/>
   </p:sldIdLst>
   <p:sldSz cx="12192000" cy="6858000"/>
   <p:notesSz cx="6858000" cy="9144000"/>
@@ -107,6 +108,11 @@
       </a:defRPr>
     </a:lvl9pPr>
   </p:defaultTextStyle>
+  <p:extLst>
+    <p:ext uri="{EFAFB233-063F-42B5-8137-9DF3F51BA10A}">
+      <p15:sldGuideLst xmlns:p15="http://schemas.microsoft.com/office/powerpoint/2012/main"/>
+    </p:ext>
+  </p:extLst>
 </p:presentation>
 </file>
 
@@ -257,7 +263,7 @@
           <a:p>
             <a:fld id="{6B100E9C-CEA7-4B8A-87DA-E3C4FA591938}" type="datetimeFigureOut">
               <a:rPr lang="hu-HU" smtClean="0"/>
-              <a:t>2022.11.23</a:t>
+              <a:t>2022.11.24</a:t>
             </a:fld>
             <a:endParaRPr lang="hu-HU"/>
           </a:p>
@@ -455,7 +461,7 @@
           <a:p>
             <a:fld id="{6B100E9C-CEA7-4B8A-87DA-E3C4FA591938}" type="datetimeFigureOut">
               <a:rPr lang="hu-HU" smtClean="0"/>
-              <a:t>2022.11.23</a:t>
+              <a:t>2022.11.24</a:t>
             </a:fld>
             <a:endParaRPr lang="hu-HU"/>
           </a:p>
@@ -663,7 +669,7 @@
           <a:p>
             <a:fld id="{6B100E9C-CEA7-4B8A-87DA-E3C4FA591938}" type="datetimeFigureOut">
               <a:rPr lang="hu-HU" smtClean="0"/>
-              <a:t>2022.11.23</a:t>
+              <a:t>2022.11.24</a:t>
             </a:fld>
             <a:endParaRPr lang="hu-HU"/>
           </a:p>
@@ -861,7 +867,7 @@
           <a:p>
             <a:fld id="{6B100E9C-CEA7-4B8A-87DA-E3C4FA591938}" type="datetimeFigureOut">
               <a:rPr lang="hu-HU" smtClean="0"/>
-              <a:t>2022.11.23</a:t>
+              <a:t>2022.11.24</a:t>
             </a:fld>
             <a:endParaRPr lang="hu-HU"/>
           </a:p>
@@ -1136,7 +1142,7 @@
           <a:p>
             <a:fld id="{6B100E9C-CEA7-4B8A-87DA-E3C4FA591938}" type="datetimeFigureOut">
               <a:rPr lang="hu-HU" smtClean="0"/>
-              <a:t>2022.11.23</a:t>
+              <a:t>2022.11.24</a:t>
             </a:fld>
             <a:endParaRPr lang="hu-HU"/>
           </a:p>
@@ -1401,7 +1407,7 @@
           <a:p>
             <a:fld id="{6B100E9C-CEA7-4B8A-87DA-E3C4FA591938}" type="datetimeFigureOut">
               <a:rPr lang="hu-HU" smtClean="0"/>
-              <a:t>2022.11.23</a:t>
+              <a:t>2022.11.24</a:t>
             </a:fld>
             <a:endParaRPr lang="hu-HU"/>
           </a:p>
@@ -1813,7 +1819,7 @@
           <a:p>
             <a:fld id="{6B100E9C-CEA7-4B8A-87DA-E3C4FA591938}" type="datetimeFigureOut">
               <a:rPr lang="hu-HU" smtClean="0"/>
-              <a:t>2022.11.23</a:t>
+              <a:t>2022.11.24</a:t>
             </a:fld>
             <a:endParaRPr lang="hu-HU"/>
           </a:p>
@@ -1954,7 +1960,7 @@
           <a:p>
             <a:fld id="{6B100E9C-CEA7-4B8A-87DA-E3C4FA591938}" type="datetimeFigureOut">
               <a:rPr lang="hu-HU" smtClean="0"/>
-              <a:t>2022.11.23</a:t>
+              <a:t>2022.11.24</a:t>
             </a:fld>
             <a:endParaRPr lang="hu-HU"/>
           </a:p>
@@ -2067,7 +2073,7 @@
           <a:p>
             <a:fld id="{6B100E9C-CEA7-4B8A-87DA-E3C4FA591938}" type="datetimeFigureOut">
               <a:rPr lang="hu-HU" smtClean="0"/>
-              <a:t>2022.11.23</a:t>
+              <a:t>2022.11.24</a:t>
             </a:fld>
             <a:endParaRPr lang="hu-HU"/>
           </a:p>
@@ -2378,7 +2384,7 @@
           <a:p>
             <a:fld id="{6B100E9C-CEA7-4B8A-87DA-E3C4FA591938}" type="datetimeFigureOut">
               <a:rPr lang="hu-HU" smtClean="0"/>
-              <a:t>2022.11.23</a:t>
+              <a:t>2022.11.24</a:t>
             </a:fld>
             <a:endParaRPr lang="hu-HU"/>
           </a:p>
@@ -2666,7 +2672,7 @@
           <a:p>
             <a:fld id="{6B100E9C-CEA7-4B8A-87DA-E3C4FA591938}" type="datetimeFigureOut">
               <a:rPr lang="hu-HU" smtClean="0"/>
-              <a:t>2022.11.23</a:t>
+              <a:t>2022.11.24</a:t>
             </a:fld>
             <a:endParaRPr lang="hu-HU"/>
           </a:p>
@@ -2907,7 +2913,7 @@
           <a:p>
             <a:fld id="{6B100E9C-CEA7-4B8A-87DA-E3C4FA591938}" type="datetimeFigureOut">
               <a:rPr lang="hu-HU" smtClean="0"/>
-              <a:t>2022.11.23</a:t>
+              <a:t>2022.11.24</a:t>
             </a:fld>
             <a:endParaRPr lang="hu-HU"/>
           </a:p>
@@ -3003,42 +3009,6 @@
           </a:p>
         </p:txBody>
       </p:sp>
-      <p:pic>
-        <p:nvPicPr>
-          <p:cNvPr id="8" name="Kép 7">
-            <a:extLst>
-              <a:ext uri="{FF2B5EF4-FFF2-40B4-BE49-F238E27FC236}">
-                <a16:creationId xmlns:a16="http://schemas.microsoft.com/office/drawing/2014/main" id="{7EBF31BE-EE31-49F0-9972-0A4EDA7E296C}"/>
-              </a:ext>
-            </a:extLst>
-          </p:cNvPr>
-          <p:cNvPicPr>
-            <a:picLocks noChangeAspect="1"/>
-          </p:cNvPicPr>
-          <p:nvPr userDrawn="1"/>
-        </p:nvPicPr>
-        <p:blipFill>
-          <a:blip r:embed="rId13">
-            <a:extLst>
-              <a:ext uri="{28A0092B-C50C-407E-A947-70E740481C1C}">
-                <a14:useLocalDpi xmlns:a14="http://schemas.microsoft.com/office/drawing/2010/main" val="0"/>
-              </a:ext>
-            </a:extLst>
-          </a:blip>
-          <a:stretch>
-            <a:fillRect/>
-          </a:stretch>
-        </p:blipFill>
-        <p:spPr>
-          <a:xfrm>
-            <a:off x="0" y="29686"/>
-            <a:ext cx="1032641" cy="998220"/>
-          </a:xfrm>
-          <a:prstGeom prst="rect">
-            <a:avLst/>
-          </a:prstGeom>
-        </p:spPr>
-      </p:pic>
     </p:spTree>
     <p:extLst>
       <p:ext uri="{BB962C8B-B14F-4D97-AF65-F5344CB8AC3E}">
@@ -3502,42 +3472,12 @@
           <a:chExt cx="0" cy="0"/>
         </a:xfrm>
       </p:grpSpPr>
-      <p:sp>
-        <p:nvSpPr>
-          <p:cNvPr id="2" name="Cím 1">
-            <a:extLst>
-              <a:ext uri="{FF2B5EF4-FFF2-40B4-BE49-F238E27FC236}">
-                <a16:creationId xmlns:a16="http://schemas.microsoft.com/office/drawing/2014/main" id="{37C21574-6375-4714-8550-9088A04E6809}"/>
-              </a:ext>
-            </a:extLst>
-          </p:cNvPr>
-          <p:cNvSpPr>
-            <a:spLocks noGrp="1"/>
-          </p:cNvSpPr>
-          <p:nvPr>
-            <p:ph type="title"/>
-          </p:nvPr>
-        </p:nvSpPr>
-        <p:spPr/>
-        <p:txBody>
-          <a:bodyPr>
-            <a:normAutofit/>
-          </a:bodyPr>
-          <a:lstStyle/>
-          <a:p>
-            <a:r>
-              <a:rPr lang="hu-HU" sz="5400" dirty="0"/>
-              <a:t>Menü</a:t>
-            </a:r>
-          </a:p>
-        </p:txBody>
-      </p:sp>
       <p:pic>
         <p:nvPicPr>
-          <p:cNvPr id="6" name="Tartalom helye 5">
-            <a:extLst>
-              <a:ext uri="{FF2B5EF4-FFF2-40B4-BE49-F238E27FC236}">
-                <a16:creationId xmlns:a16="http://schemas.microsoft.com/office/drawing/2014/main" id="{1670EB9F-B377-4792-8F98-00905AB5E802}"/>
+          <p:cNvPr id="7" name="Tartalom helye 6">
+            <a:extLst>
+              <a:ext uri="{FF2B5EF4-FFF2-40B4-BE49-F238E27FC236}">
+                <a16:creationId xmlns:a16="http://schemas.microsoft.com/office/drawing/2014/main" id="{9F92F48C-53D7-43E3-ADFD-E76E91C7146A}"/>
               </a:ext>
             </a:extLst>
           </p:cNvPr>
@@ -3562,58 +3502,109 @@
         </p:blipFill>
         <p:spPr>
           <a:xfrm>
-            <a:off x="5183188" y="2036583"/>
-            <a:ext cx="6172200" cy="2775309"/>
+            <a:off x="1" y="-73320"/>
+            <a:ext cx="12192000" cy="6915278"/>
           </a:xfrm>
         </p:spPr>
       </p:pic>
       <p:sp>
         <p:nvSpPr>
-          <p:cNvPr id="4" name="Szöveg helye 3">
-            <a:extLst>
-              <a:ext uri="{FF2B5EF4-FFF2-40B4-BE49-F238E27FC236}">
-                <a16:creationId xmlns:a16="http://schemas.microsoft.com/office/drawing/2014/main" id="{BA78EAF5-9340-471E-971D-636107A9D212}"/>
-              </a:ext>
-            </a:extLst>
-          </p:cNvPr>
-          <p:cNvSpPr>
-            <a:spLocks noGrp="1"/>
-          </p:cNvSpPr>
-          <p:nvPr>
-            <p:ph type="body" sz="half" idx="2"/>
+          <p:cNvPr id="2" name="Cím 1">
+            <a:extLst>
+              <a:ext uri="{FF2B5EF4-FFF2-40B4-BE49-F238E27FC236}">
+                <a16:creationId xmlns:a16="http://schemas.microsoft.com/office/drawing/2014/main" id="{37C21574-6375-4714-8550-9088A04E6809}"/>
+              </a:ext>
+            </a:extLst>
+          </p:cNvPr>
+          <p:cNvSpPr>
+            <a:spLocks noGrp="1"/>
+          </p:cNvSpPr>
+          <p:nvPr>
+            <p:ph type="title"/>
           </p:nvPr>
         </p:nvSpPr>
         <p:spPr>
           <a:xfrm>
-            <a:off x="839788" y="2077453"/>
-            <a:ext cx="3932237" cy="3783597"/>
+            <a:off x="4336968" y="-62999"/>
+            <a:ext cx="3250948" cy="1600200"/>
           </a:xfrm>
         </p:spPr>
         <p:txBody>
           <a:bodyPr>
-            <a:normAutofit fontScale="92500" lnSpcReduction="10000"/>
+            <a:normAutofit/>
           </a:bodyPr>
           <a:lstStyle/>
           <a:p>
             <a:r>
-              <a:rPr lang="hu-HU" sz="2400" dirty="0"/>
+              <a:rPr lang="hu-HU" sz="7200" dirty="0">
+                <a:solidFill>
+                  <a:schemeClr val="bg1"/>
+                </a:solidFill>
+              </a:rPr>
+              <a:t>Menü</a:t>
+            </a:r>
+          </a:p>
+        </p:txBody>
+      </p:sp>
+      <p:sp>
+        <p:nvSpPr>
+          <p:cNvPr id="4" name="Szöveg helye 3">
+            <a:extLst>
+              <a:ext uri="{FF2B5EF4-FFF2-40B4-BE49-F238E27FC236}">
+                <a16:creationId xmlns:a16="http://schemas.microsoft.com/office/drawing/2014/main" id="{BA78EAF5-9340-471E-971D-636107A9D212}"/>
+              </a:ext>
+            </a:extLst>
+          </p:cNvPr>
+          <p:cNvSpPr>
+            <a:spLocks noGrp="1"/>
+          </p:cNvSpPr>
+          <p:nvPr>
+            <p:ph type="body" sz="half" idx="2"/>
+          </p:nvPr>
+        </p:nvSpPr>
+        <p:spPr>
+          <a:xfrm>
+            <a:off x="3416968" y="1761790"/>
+            <a:ext cx="5694947" cy="4350252"/>
+          </a:xfrm>
+        </p:spPr>
+        <p:txBody>
+          <a:bodyPr>
+            <a:normAutofit fontScale="92500"/>
+          </a:bodyPr>
+          <a:lstStyle/>
+          <a:p>
+            <a:r>
+              <a:rPr lang="hu-HU" sz="2800" dirty="0">
+                <a:solidFill>
+                  <a:schemeClr val="bg1"/>
+                </a:solidFill>
+              </a:rPr>
               <a:t>1 menüpont – Random 4 csapatos csoportok készítése a 2022/23-as Bajnokok Ligája csoportkörének csapatai közül. </a:t>
             </a:r>
           </a:p>
           <a:p>
             <a:r>
-              <a:rPr lang="hu-HU" sz="2400" dirty="0"/>
+              <a:rPr lang="hu-HU" sz="2800" dirty="0">
+                <a:solidFill>
+                  <a:schemeClr val="bg1"/>
+                </a:solidFill>
+              </a:rPr>
               <a:t>2 menüpont – Játékosok keresése a 2022/23-as Bajnokok Ligája csoportkörének csapatainak játékosai közül</a:t>
             </a:r>
           </a:p>
           <a:p>
             <a:r>
-              <a:rPr lang="hu-HU" sz="2400" dirty="0"/>
+              <a:rPr lang="hu-HU" sz="2800" dirty="0">
+                <a:solidFill>
+                  <a:schemeClr val="bg1"/>
+                </a:solidFill>
+              </a:rPr>
               <a:t>3 menüpont – Egy általunk kiválasztott csapattal tudunk egy egész Bajnokok Ligája szezont szimulálni.</a:t>
             </a:r>
           </a:p>
           <a:p>
-            <a:endParaRPr lang="hu-HU" sz="2400" dirty="0"/>
+            <a:endParaRPr lang="hu-HU" sz="2800" dirty="0"/>
           </a:p>
         </p:txBody>
       </p:sp>
@@ -3647,12 +3638,48 @@
           <a:chExt cx="0" cy="0"/>
         </a:xfrm>
       </p:grpSpPr>
+      <p:pic>
+        <p:nvPicPr>
+          <p:cNvPr id="6" name="Kép 5">
+            <a:extLst>
+              <a:ext uri="{FF2B5EF4-FFF2-40B4-BE49-F238E27FC236}">
+                <a16:creationId xmlns:a16="http://schemas.microsoft.com/office/drawing/2014/main" id="{C3B64ACD-8D6F-4937-8427-68D3ACA4E423}"/>
+              </a:ext>
+            </a:extLst>
+          </p:cNvPr>
+          <p:cNvPicPr>
+            <a:picLocks noChangeAspect="1"/>
+          </p:cNvPicPr>
+          <p:nvPr/>
+        </p:nvPicPr>
+        <p:blipFill>
+          <a:blip r:embed="rId2">
+            <a:extLst>
+              <a:ext uri="{28A0092B-C50C-407E-A947-70E740481C1C}">
+                <a14:useLocalDpi xmlns:a14="http://schemas.microsoft.com/office/drawing/2010/main" val="0"/>
+              </a:ext>
+            </a:extLst>
+          </a:blip>
+          <a:stretch>
+            <a:fillRect/>
+          </a:stretch>
+        </p:blipFill>
+        <p:spPr>
+          <a:xfrm>
+            <a:off x="1588" y="0"/>
+            <a:ext cx="12190412" cy="6858000"/>
+          </a:xfrm>
+          <a:prstGeom prst="rect">
+            <a:avLst/>
+          </a:prstGeom>
+        </p:spPr>
+      </p:pic>
       <p:sp>
         <p:nvSpPr>
           <p:cNvPr id="2" name="Cím 1">
             <a:extLst>
               <a:ext uri="{FF2B5EF4-FFF2-40B4-BE49-F238E27FC236}">
-                <a16:creationId xmlns:a16="http://schemas.microsoft.com/office/drawing/2014/main" id="{4B7E03D2-5192-4CB1-8A7F-C142431D80E3}"/>
+                <a16:creationId xmlns:a16="http://schemas.microsoft.com/office/drawing/2014/main" id="{B766C009-44AD-485A-B341-3D94295C4186}"/>
               </a:ext>
             </a:extLst>
           </p:cNvPr>
@@ -3668,7 +3695,14 @@
           <a:bodyPr/>
           <a:lstStyle/>
           <a:p>
-            <a:endParaRPr lang="hu-HU"/>
+            <a:r>
+              <a:rPr lang="en-AU" dirty="0">
+                <a:solidFill>
+                  <a:schemeClr val="bg1"/>
+                </a:solidFill>
+              </a:rPr>
+              <a:t>Random Groups maker</a:t>
+            </a:r>
           </a:p>
         </p:txBody>
       </p:sp>
@@ -3677,7 +3711,7 @@
           <p:cNvPr id="3" name="Tartalom helye 2">
             <a:extLst>
               <a:ext uri="{FF2B5EF4-FFF2-40B4-BE49-F238E27FC236}">
-                <a16:creationId xmlns:a16="http://schemas.microsoft.com/office/drawing/2014/main" id="{4DD63490-7201-4679-87F7-8A91043D56DF}"/>
+                <a16:creationId xmlns:a16="http://schemas.microsoft.com/office/drawing/2014/main" id="{04BAB4CB-BF1C-429D-BF97-042A0AE31F1F}"/>
               </a:ext>
             </a:extLst>
           </p:cNvPr>
@@ -3688,44 +3722,77 @@
             <p:ph idx="1"/>
           </p:nvPr>
         </p:nvSpPr>
-        <p:spPr/>
-        <p:txBody>
-          <a:bodyPr/>
-          <a:lstStyle/>
-          <a:p>
-            <a:endParaRPr lang="hu-HU"/>
-          </a:p>
-        </p:txBody>
-      </p:sp>
-      <p:sp>
-        <p:nvSpPr>
-          <p:cNvPr id="4" name="Szöveg helye 3">
-            <a:extLst>
-              <a:ext uri="{FF2B5EF4-FFF2-40B4-BE49-F238E27FC236}">
-                <a16:creationId xmlns:a16="http://schemas.microsoft.com/office/drawing/2014/main" id="{CC4D0194-B309-4913-B26E-D02D756D9E09}"/>
-              </a:ext>
-            </a:extLst>
-          </p:cNvPr>
-          <p:cNvSpPr>
-            <a:spLocks noGrp="1"/>
-          </p:cNvSpPr>
-          <p:nvPr>
-            <p:ph type="body" sz="half" idx="2"/>
-          </p:nvPr>
-        </p:nvSpPr>
-        <p:spPr/>
-        <p:txBody>
-          <a:bodyPr/>
-          <a:lstStyle/>
-          <a:p>
-            <a:endParaRPr lang="hu-HU"/>
+        <p:spPr>
+          <a:xfrm>
+            <a:off x="5183188" y="987425"/>
+            <a:ext cx="6172200" cy="4873625"/>
+          </a:xfrm>
+        </p:spPr>
+        <p:txBody>
+          <a:bodyPr>
+            <a:normAutofit/>
+          </a:bodyPr>
+          <a:lstStyle/>
+          <a:p>
+            <a:r>
+              <a:rPr lang="hu-HU" sz="3600" dirty="0">
+                <a:solidFill>
+                  <a:schemeClr val="bg1"/>
+                </a:solidFill>
+              </a:rPr>
+              <a:t>A random csoport készítő menüpont random 4 fős csoportokat hoz létre a 2022/23-as Bajnokok Ligája csoportkörének csapatai közül.</a:t>
+            </a:r>
+            <a:br>
+              <a:rPr lang="hu-HU" sz="3600" dirty="0">
+                <a:solidFill>
+                  <a:schemeClr val="bg1"/>
+                </a:solidFill>
+              </a:rPr>
+            </a:br>
+            <a:r>
+              <a:rPr lang="hu-HU" sz="3600" dirty="0">
+                <a:solidFill>
+                  <a:schemeClr val="bg1"/>
+                </a:solidFill>
+              </a:rPr>
+              <a:t>A létrehozott csoportokat a program egy külön </a:t>
+            </a:r>
+            <a:r>
+              <a:rPr lang="hu-HU" sz="3600" dirty="0" err="1">
+                <a:solidFill>
+                  <a:schemeClr val="bg1"/>
+                </a:solidFill>
+              </a:rPr>
+              <a:t>csv</a:t>
+            </a:r>
+            <a:r>
+              <a:rPr lang="hu-HU" sz="3600" dirty="0">
+                <a:solidFill>
+                  <a:schemeClr val="bg1"/>
+                </a:solidFill>
+              </a:rPr>
+              <a:t> fájlba írja</a:t>
+            </a:r>
+          </a:p>
+          <a:p>
+            <a:pPr marL="0" indent="0">
+              <a:buNone/>
+            </a:pPr>
+            <a:r>
+              <a:rPr lang="hu-HU" sz="3600" dirty="0">
+                <a:solidFill>
+                  <a:schemeClr val="bg1"/>
+                </a:solidFill>
+              </a:rPr>
+              <a:t> </a:t>
+            </a:r>
           </a:p>
         </p:txBody>
       </p:sp>
     </p:spTree>
     <p:extLst>
       <p:ext uri="{BB962C8B-B14F-4D97-AF65-F5344CB8AC3E}">
-        <p14:creationId xmlns:p14="http://schemas.microsoft.com/office/powerpoint/2010/main" val="3002551102"/>
+        <p14:creationId xmlns:p14="http://schemas.microsoft.com/office/powerpoint/2010/main" val="872783570"/>
       </p:ext>
     </p:extLst>
   </p:cSld>
@@ -3754,10 +3821,10 @@
       </p:grpSpPr>
       <p:pic>
         <p:nvPicPr>
-          <p:cNvPr id="5" name="Kép 4">
-            <a:extLst>
-              <a:ext uri="{FF2B5EF4-FFF2-40B4-BE49-F238E27FC236}">
-                <a16:creationId xmlns:a16="http://schemas.microsoft.com/office/drawing/2014/main" id="{C546857F-9F69-4FD0-BFEF-51148597482C}"/>
+          <p:cNvPr id="7" name="Kép 6">
+            <a:extLst>
+              <a:ext uri="{FF2B5EF4-FFF2-40B4-BE49-F238E27FC236}">
+                <a16:creationId xmlns:a16="http://schemas.microsoft.com/office/drawing/2014/main" id="{EBB75B7C-BD66-4BD2-9243-9D5D6D5F087C}"/>
               </a:ext>
             </a:extLst>
           </p:cNvPr>
@@ -3780,8 +3847,8 @@
         </p:blipFill>
         <p:spPr>
           <a:xfrm>
-            <a:off x="-1" y="0"/>
-            <a:ext cx="12191999" cy="6857999"/>
+            <a:off x="0" y="-32155"/>
+            <a:ext cx="12192000" cy="6890155"/>
           </a:xfrm>
           <a:prstGeom prst="rect">
             <a:avLst/>
@@ -3793,21 +3860,199 @@
           <p:cNvPr id="2" name="Cím 1">
             <a:extLst>
               <a:ext uri="{FF2B5EF4-FFF2-40B4-BE49-F238E27FC236}">
-                <a16:creationId xmlns:a16="http://schemas.microsoft.com/office/drawing/2014/main" id="{9DB4E329-FDC2-4CD6-B12B-999CE8EDD4AE}"/>
-              </a:ext>
-            </a:extLst>
-          </p:cNvPr>
-          <p:cNvSpPr>
-            <a:spLocks noGrp="1"/>
-          </p:cNvSpPr>
-          <p:nvPr>
-            <p:ph type="ctrTitle"/>
+                <a16:creationId xmlns:a16="http://schemas.microsoft.com/office/drawing/2014/main" id="{F1650BD4-8202-4B6A-8274-E8EEE8BD79F5}"/>
+              </a:ext>
+            </a:extLst>
+          </p:cNvPr>
+          <p:cNvSpPr>
+            <a:spLocks noGrp="1"/>
+          </p:cNvSpPr>
+          <p:nvPr>
+            <p:ph type="title"/>
+          </p:nvPr>
+        </p:nvSpPr>
+        <p:spPr/>
+        <p:txBody>
+          <a:bodyPr>
+            <a:normAutofit/>
+          </a:bodyPr>
+          <a:lstStyle/>
+          <a:p>
+            <a:r>
+              <a:rPr lang="hu-HU" sz="6000" dirty="0">
+                <a:solidFill>
+                  <a:schemeClr val="bg1"/>
+                </a:solidFill>
+              </a:rPr>
+              <a:t>CSV file</a:t>
+            </a:r>
+          </a:p>
+        </p:txBody>
+      </p:sp>
+      <p:sp>
+        <p:nvSpPr>
+          <p:cNvPr id="3" name="Tartalom helye 2">
+            <a:extLst>
+              <a:ext uri="{FF2B5EF4-FFF2-40B4-BE49-F238E27FC236}">
+                <a16:creationId xmlns:a16="http://schemas.microsoft.com/office/drawing/2014/main" id="{5E3812EA-7EB4-4C27-92A4-6D5705FF37C3}"/>
+              </a:ext>
+            </a:extLst>
+          </p:cNvPr>
+          <p:cNvSpPr>
+            <a:spLocks noGrp="1"/>
+          </p:cNvSpPr>
+          <p:nvPr>
+            <p:ph idx="1"/>
           </p:nvPr>
         </p:nvSpPr>
         <p:spPr>
           <a:xfrm>
-            <a:off x="1524000" y="143795"/>
-            <a:ext cx="9144000" cy="2387600"/>
+            <a:off x="838200" y="2141537"/>
+            <a:ext cx="10515600" cy="4351338"/>
+          </a:xfrm>
+        </p:spPr>
+        <p:txBody>
+          <a:bodyPr>
+            <a:normAutofit/>
+          </a:bodyPr>
+          <a:lstStyle/>
+          <a:p>
+            <a:pPr marL="0" indent="0">
+              <a:buNone/>
+            </a:pPr>
+            <a:r>
+              <a:rPr lang="hu-HU" sz="4000" dirty="0">
+                <a:solidFill>
+                  <a:schemeClr val="bg1"/>
+                </a:solidFill>
+              </a:rPr>
+              <a:t>A fájl tartalmazza az összes játékos nevét a 2022/23-as Bajnokok Ligája csapatai közül.</a:t>
+            </a:r>
+          </a:p>
+          <a:p>
+            <a:pPr marL="0" indent="0">
+              <a:buNone/>
+            </a:pPr>
+            <a:r>
+              <a:rPr lang="hu-HU" sz="4000" dirty="0">
+                <a:solidFill>
+                  <a:schemeClr val="bg1"/>
+                </a:solidFill>
+              </a:rPr>
+              <a:t>A játékosok névvel, életkorral, poszttal, mezszámmal és a csapatukkal rendelkezik a fájlban.</a:t>
+            </a:r>
+          </a:p>
+          <a:p>
+            <a:pPr marL="0" indent="0">
+              <a:buNone/>
+            </a:pPr>
+            <a:r>
+              <a:rPr lang="hu-HU" sz="4000" dirty="0">
+                <a:solidFill>
+                  <a:schemeClr val="bg1"/>
+                </a:solidFill>
+              </a:rPr>
+              <a:t>A menüből tudunk az általunk választott játékosokra.</a:t>
+            </a:r>
+          </a:p>
+          <a:p>
+            <a:pPr marL="0" indent="0">
+              <a:buNone/>
+            </a:pPr>
+            <a:endParaRPr lang="hu-HU" sz="4000" dirty="0">
+              <a:solidFill>
+                <a:schemeClr val="bg1"/>
+              </a:solidFill>
+            </a:endParaRPr>
+          </a:p>
+        </p:txBody>
+      </p:sp>
+    </p:spTree>
+    <p:extLst>
+      <p:ext uri="{BB962C8B-B14F-4D97-AF65-F5344CB8AC3E}">
+        <p14:creationId xmlns:p14="http://schemas.microsoft.com/office/powerpoint/2010/main" val="2831676068"/>
+      </p:ext>
+    </p:extLst>
+  </p:cSld>
+  <p:clrMapOvr>
+    <a:masterClrMapping/>
+  </p:clrMapOvr>
+</p:sld>
+</file>
+
+<file path=ppt/slides/slide5.xml><?xml version="1.0" encoding="utf-8"?>
+<p:sld xmlns:a="http://schemas.openxmlformats.org/drawingml/2006/main" xmlns:r="http://schemas.openxmlformats.org/officeDocument/2006/relationships" xmlns:p="http://schemas.openxmlformats.org/presentationml/2006/main">
+  <p:cSld>
+    <p:spTree>
+      <p:nvGrpSpPr>
+        <p:cNvPr id="1" name=""/>
+        <p:cNvGrpSpPr/>
+        <p:nvPr/>
+      </p:nvGrpSpPr>
+      <p:grpSpPr>
+        <a:xfrm>
+          <a:off x="0" y="0"/>
+          <a:ext cx="0" cy="0"/>
+          <a:chOff x="0" y="0"/>
+          <a:chExt cx="0" cy="0"/>
+        </a:xfrm>
+      </p:grpSpPr>
+      <p:pic>
+        <p:nvPicPr>
+          <p:cNvPr id="6" name="Kép 5">
+            <a:extLst>
+              <a:ext uri="{FF2B5EF4-FFF2-40B4-BE49-F238E27FC236}">
+                <a16:creationId xmlns:a16="http://schemas.microsoft.com/office/drawing/2014/main" id="{24A74596-EB2D-425E-B3D1-B1AD8D356129}"/>
+              </a:ext>
+            </a:extLst>
+          </p:cNvPr>
+          <p:cNvPicPr>
+            <a:picLocks noChangeAspect="1"/>
+          </p:cNvPicPr>
+          <p:nvPr/>
+        </p:nvPicPr>
+        <p:blipFill>
+          <a:blip r:embed="rId2">
+            <a:extLst>
+              <a:ext uri="{28A0092B-C50C-407E-A947-70E740481C1C}">
+                <a14:useLocalDpi xmlns:a14="http://schemas.microsoft.com/office/drawing/2010/main" val="0"/>
+              </a:ext>
+            </a:extLst>
+          </a:blip>
+          <a:stretch>
+            <a:fillRect/>
+          </a:stretch>
+        </p:blipFill>
+        <p:spPr>
+          <a:xfrm>
+            <a:off x="0" y="0"/>
+            <a:ext cx="12192000" cy="6858000"/>
+          </a:xfrm>
+          <a:prstGeom prst="rect">
+            <a:avLst/>
+          </a:prstGeom>
+        </p:spPr>
+      </p:pic>
+      <p:sp>
+        <p:nvSpPr>
+          <p:cNvPr id="2" name="Cím 1">
+            <a:extLst>
+              <a:ext uri="{FF2B5EF4-FFF2-40B4-BE49-F238E27FC236}">
+                <a16:creationId xmlns:a16="http://schemas.microsoft.com/office/drawing/2014/main" id="{9DB4E329-FDC2-4CD6-B12B-999CE8EDD4AE}"/>
+              </a:ext>
+            </a:extLst>
+          </p:cNvPr>
+          <p:cNvSpPr>
+            <a:spLocks noGrp="1"/>
+          </p:cNvSpPr>
+          <p:nvPr>
+            <p:ph type="ctrTitle"/>
+          </p:nvPr>
+        </p:nvSpPr>
+        <p:spPr>
+          <a:xfrm>
+            <a:off x="3657599" y="660984"/>
+            <a:ext cx="8710863" cy="2419100"/>
           </a:xfrm>
         </p:spPr>
         <p:txBody>
@@ -3863,6 +4108,58 @@
               </a:rPr>
               <a:t>Ha kérdésetek lenne azt légyszi tartsátok magatokba! Megértéseteket köszönjük!</a:t>
             </a:r>
+          </a:p>
+        </p:txBody>
+      </p:sp>
+      <p:sp>
+        <p:nvSpPr>
+          <p:cNvPr id="7" name="Téglalap 6">
+            <a:extLst>
+              <a:ext uri="{FF2B5EF4-FFF2-40B4-BE49-F238E27FC236}">
+                <a16:creationId xmlns:a16="http://schemas.microsoft.com/office/drawing/2014/main" id="{31ECCB95-CB94-46AA-8A0C-925F66848EFE}"/>
+              </a:ext>
+            </a:extLst>
+          </p:cNvPr>
+          <p:cNvSpPr/>
+          <p:nvPr/>
+        </p:nvSpPr>
+        <p:spPr>
+          <a:xfrm>
+            <a:off x="9641308" y="0"/>
+            <a:ext cx="2085473" cy="866274"/>
+          </a:xfrm>
+          <a:prstGeom prst="rect">
+            <a:avLst/>
+          </a:prstGeom>
+          <a:solidFill>
+            <a:srgbClr val="16143E"/>
+          </a:solidFill>
+          <a:ln>
+            <a:noFill/>
+          </a:ln>
+        </p:spPr>
+        <p:style>
+          <a:lnRef idx="2">
+            <a:schemeClr val="accent1">
+              <a:shade val="50000"/>
+            </a:schemeClr>
+          </a:lnRef>
+          <a:fillRef idx="1">
+            <a:schemeClr val="accent1"/>
+          </a:fillRef>
+          <a:effectRef idx="0">
+            <a:schemeClr val="accent1"/>
+          </a:effectRef>
+          <a:fontRef idx="minor">
+            <a:schemeClr val="lt1"/>
+          </a:fontRef>
+        </p:style>
+        <p:txBody>
+          <a:bodyPr rtlCol="0" anchor="ctr"/>
+          <a:lstStyle/>
+          <a:p>
+            <a:pPr algn="ctr"/>
+            <a:endParaRPr lang="hu-HU"/>
           </a:p>
         </p:txBody>
       </p:sp>

--- a/Prezentáció(elkezdve).pptx
+++ b/Prezentáció(elkezdve).pptx
@@ -7,9 +7,8 @@
   <p:sldIdLst>
     <p:sldId id="256" r:id="rId2"/>
     <p:sldId id="260" r:id="rId3"/>
-    <p:sldId id="262" r:id="rId4"/>
-    <p:sldId id="261" r:id="rId5"/>
-    <p:sldId id="257" r:id="rId6"/>
+    <p:sldId id="259" r:id="rId4"/>
+    <p:sldId id="257" r:id="rId5"/>
   </p:sldIdLst>
   <p:sldSz cx="12192000" cy="6858000"/>
   <p:notesSz cx="6858000" cy="9144000"/>
@@ -108,11 +107,6 @@
       </a:defRPr>
     </a:lvl9pPr>
   </p:defaultTextStyle>
-  <p:extLst>
-    <p:ext uri="{EFAFB233-063F-42B5-8137-9DF3F51BA10A}">
-      <p15:sldGuideLst xmlns:p15="http://schemas.microsoft.com/office/powerpoint/2012/main"/>
-    </p:ext>
-  </p:extLst>
 </p:presentation>
 </file>
 
@@ -263,7 +257,7 @@
           <a:p>
             <a:fld id="{6B100E9C-CEA7-4B8A-87DA-E3C4FA591938}" type="datetimeFigureOut">
               <a:rPr lang="hu-HU" smtClean="0"/>
-              <a:t>2022.11.24</a:t>
+              <a:t>2022.11.23</a:t>
             </a:fld>
             <a:endParaRPr lang="hu-HU"/>
           </a:p>
@@ -461,7 +455,7 @@
           <a:p>
             <a:fld id="{6B100E9C-CEA7-4B8A-87DA-E3C4FA591938}" type="datetimeFigureOut">
               <a:rPr lang="hu-HU" smtClean="0"/>
-              <a:t>2022.11.24</a:t>
+              <a:t>2022.11.23</a:t>
             </a:fld>
             <a:endParaRPr lang="hu-HU"/>
           </a:p>
@@ -669,7 +663,7 @@
           <a:p>
             <a:fld id="{6B100E9C-CEA7-4B8A-87DA-E3C4FA591938}" type="datetimeFigureOut">
               <a:rPr lang="hu-HU" smtClean="0"/>
-              <a:t>2022.11.24</a:t>
+              <a:t>2022.11.23</a:t>
             </a:fld>
             <a:endParaRPr lang="hu-HU"/>
           </a:p>
@@ -867,7 +861,7 @@
           <a:p>
             <a:fld id="{6B100E9C-CEA7-4B8A-87DA-E3C4FA591938}" type="datetimeFigureOut">
               <a:rPr lang="hu-HU" smtClean="0"/>
-              <a:t>2022.11.24</a:t>
+              <a:t>2022.11.23</a:t>
             </a:fld>
             <a:endParaRPr lang="hu-HU"/>
           </a:p>
@@ -1142,7 +1136,7 @@
           <a:p>
             <a:fld id="{6B100E9C-CEA7-4B8A-87DA-E3C4FA591938}" type="datetimeFigureOut">
               <a:rPr lang="hu-HU" smtClean="0"/>
-              <a:t>2022.11.24</a:t>
+              <a:t>2022.11.23</a:t>
             </a:fld>
             <a:endParaRPr lang="hu-HU"/>
           </a:p>
@@ -1407,7 +1401,7 @@
           <a:p>
             <a:fld id="{6B100E9C-CEA7-4B8A-87DA-E3C4FA591938}" type="datetimeFigureOut">
               <a:rPr lang="hu-HU" smtClean="0"/>
-              <a:t>2022.11.24</a:t>
+              <a:t>2022.11.23</a:t>
             </a:fld>
             <a:endParaRPr lang="hu-HU"/>
           </a:p>
@@ -1819,7 +1813,7 @@
           <a:p>
             <a:fld id="{6B100E9C-CEA7-4B8A-87DA-E3C4FA591938}" type="datetimeFigureOut">
               <a:rPr lang="hu-HU" smtClean="0"/>
-              <a:t>2022.11.24</a:t>
+              <a:t>2022.11.23</a:t>
             </a:fld>
             <a:endParaRPr lang="hu-HU"/>
           </a:p>
@@ -1960,7 +1954,7 @@
           <a:p>
             <a:fld id="{6B100E9C-CEA7-4B8A-87DA-E3C4FA591938}" type="datetimeFigureOut">
               <a:rPr lang="hu-HU" smtClean="0"/>
-              <a:t>2022.11.24</a:t>
+              <a:t>2022.11.23</a:t>
             </a:fld>
             <a:endParaRPr lang="hu-HU"/>
           </a:p>
@@ -2073,7 +2067,7 @@
           <a:p>
             <a:fld id="{6B100E9C-CEA7-4B8A-87DA-E3C4FA591938}" type="datetimeFigureOut">
               <a:rPr lang="hu-HU" smtClean="0"/>
-              <a:t>2022.11.24</a:t>
+              <a:t>2022.11.23</a:t>
             </a:fld>
             <a:endParaRPr lang="hu-HU"/>
           </a:p>
@@ -2384,7 +2378,7 @@
           <a:p>
             <a:fld id="{6B100E9C-CEA7-4B8A-87DA-E3C4FA591938}" type="datetimeFigureOut">
               <a:rPr lang="hu-HU" smtClean="0"/>
-              <a:t>2022.11.24</a:t>
+              <a:t>2022.11.23</a:t>
             </a:fld>
             <a:endParaRPr lang="hu-HU"/>
           </a:p>
@@ -2672,7 +2666,7 @@
           <a:p>
             <a:fld id="{6B100E9C-CEA7-4B8A-87DA-E3C4FA591938}" type="datetimeFigureOut">
               <a:rPr lang="hu-HU" smtClean="0"/>
-              <a:t>2022.11.24</a:t>
+              <a:t>2022.11.23</a:t>
             </a:fld>
             <a:endParaRPr lang="hu-HU"/>
           </a:p>
@@ -2913,7 +2907,7 @@
           <a:p>
             <a:fld id="{6B100E9C-CEA7-4B8A-87DA-E3C4FA591938}" type="datetimeFigureOut">
               <a:rPr lang="hu-HU" smtClean="0"/>
-              <a:t>2022.11.24</a:t>
+              <a:t>2022.11.23</a:t>
             </a:fld>
             <a:endParaRPr lang="hu-HU"/>
           </a:p>
@@ -3009,6 +3003,42 @@
           </a:p>
         </p:txBody>
       </p:sp>
+      <p:pic>
+        <p:nvPicPr>
+          <p:cNvPr id="8" name="Kép 7">
+            <a:extLst>
+              <a:ext uri="{FF2B5EF4-FFF2-40B4-BE49-F238E27FC236}">
+                <a16:creationId xmlns:a16="http://schemas.microsoft.com/office/drawing/2014/main" id="{7EBF31BE-EE31-49F0-9972-0A4EDA7E296C}"/>
+              </a:ext>
+            </a:extLst>
+          </p:cNvPr>
+          <p:cNvPicPr>
+            <a:picLocks noChangeAspect="1"/>
+          </p:cNvPicPr>
+          <p:nvPr userDrawn="1"/>
+        </p:nvPicPr>
+        <p:blipFill>
+          <a:blip r:embed="rId13">
+            <a:extLst>
+              <a:ext uri="{28A0092B-C50C-407E-A947-70E740481C1C}">
+                <a14:useLocalDpi xmlns:a14="http://schemas.microsoft.com/office/drawing/2010/main" val="0"/>
+              </a:ext>
+            </a:extLst>
+          </a:blip>
+          <a:stretch>
+            <a:fillRect/>
+          </a:stretch>
+        </p:blipFill>
+        <p:spPr>
+          <a:xfrm>
+            <a:off x="0" y="29686"/>
+            <a:ext cx="1032641" cy="998220"/>
+          </a:xfrm>
+          <a:prstGeom prst="rect">
+            <a:avLst/>
+          </a:prstGeom>
+        </p:spPr>
+      </p:pic>
     </p:spTree>
     <p:extLst>
       <p:ext uri="{BB962C8B-B14F-4D97-AF65-F5344CB8AC3E}">
@@ -3472,12 +3502,42 @@
           <a:chExt cx="0" cy="0"/>
         </a:xfrm>
       </p:grpSpPr>
+      <p:sp>
+        <p:nvSpPr>
+          <p:cNvPr id="2" name="Cím 1">
+            <a:extLst>
+              <a:ext uri="{FF2B5EF4-FFF2-40B4-BE49-F238E27FC236}">
+                <a16:creationId xmlns:a16="http://schemas.microsoft.com/office/drawing/2014/main" id="{37C21574-6375-4714-8550-9088A04E6809}"/>
+              </a:ext>
+            </a:extLst>
+          </p:cNvPr>
+          <p:cNvSpPr>
+            <a:spLocks noGrp="1"/>
+          </p:cNvSpPr>
+          <p:nvPr>
+            <p:ph type="title"/>
+          </p:nvPr>
+        </p:nvSpPr>
+        <p:spPr/>
+        <p:txBody>
+          <a:bodyPr>
+            <a:normAutofit/>
+          </a:bodyPr>
+          <a:lstStyle/>
+          <a:p>
+            <a:r>
+              <a:rPr lang="hu-HU" sz="5400" dirty="0"/>
+              <a:t>Menü</a:t>
+            </a:r>
+          </a:p>
+        </p:txBody>
+      </p:sp>
       <p:pic>
         <p:nvPicPr>
-          <p:cNvPr id="7" name="Tartalom helye 6">
-            <a:extLst>
-              <a:ext uri="{FF2B5EF4-FFF2-40B4-BE49-F238E27FC236}">
-                <a16:creationId xmlns:a16="http://schemas.microsoft.com/office/drawing/2014/main" id="{9F92F48C-53D7-43E3-ADFD-E76E91C7146A}"/>
+          <p:cNvPr id="6" name="Tartalom helye 5">
+            <a:extLst>
+              <a:ext uri="{FF2B5EF4-FFF2-40B4-BE49-F238E27FC236}">
+                <a16:creationId xmlns:a16="http://schemas.microsoft.com/office/drawing/2014/main" id="{1670EB9F-B377-4792-8F98-00905AB5E802}"/>
               </a:ext>
             </a:extLst>
           </p:cNvPr>
@@ -3502,109 +3562,58 @@
         </p:blipFill>
         <p:spPr>
           <a:xfrm>
-            <a:off x="1" y="-73320"/>
-            <a:ext cx="12192000" cy="6915278"/>
+            <a:off x="5183188" y="2036583"/>
+            <a:ext cx="6172200" cy="2775309"/>
           </a:xfrm>
         </p:spPr>
       </p:pic>
       <p:sp>
         <p:nvSpPr>
-          <p:cNvPr id="2" name="Cím 1">
-            <a:extLst>
-              <a:ext uri="{FF2B5EF4-FFF2-40B4-BE49-F238E27FC236}">
-                <a16:creationId xmlns:a16="http://schemas.microsoft.com/office/drawing/2014/main" id="{37C21574-6375-4714-8550-9088A04E6809}"/>
-              </a:ext>
-            </a:extLst>
-          </p:cNvPr>
-          <p:cNvSpPr>
-            <a:spLocks noGrp="1"/>
-          </p:cNvSpPr>
-          <p:nvPr>
-            <p:ph type="title"/>
+          <p:cNvPr id="4" name="Szöveg helye 3">
+            <a:extLst>
+              <a:ext uri="{FF2B5EF4-FFF2-40B4-BE49-F238E27FC236}">
+                <a16:creationId xmlns:a16="http://schemas.microsoft.com/office/drawing/2014/main" id="{BA78EAF5-9340-471E-971D-636107A9D212}"/>
+              </a:ext>
+            </a:extLst>
+          </p:cNvPr>
+          <p:cNvSpPr>
+            <a:spLocks noGrp="1"/>
+          </p:cNvSpPr>
+          <p:nvPr>
+            <p:ph type="body" sz="half" idx="2"/>
           </p:nvPr>
         </p:nvSpPr>
         <p:spPr>
           <a:xfrm>
-            <a:off x="4336968" y="-62999"/>
-            <a:ext cx="3250948" cy="1600200"/>
+            <a:off x="839788" y="2077453"/>
+            <a:ext cx="3932237" cy="3783597"/>
           </a:xfrm>
         </p:spPr>
         <p:txBody>
           <a:bodyPr>
-            <a:normAutofit/>
+            <a:normAutofit fontScale="92500" lnSpcReduction="10000"/>
           </a:bodyPr>
           <a:lstStyle/>
           <a:p>
             <a:r>
-              <a:rPr lang="hu-HU" sz="7200" dirty="0">
-                <a:solidFill>
-                  <a:schemeClr val="bg1"/>
-                </a:solidFill>
-              </a:rPr>
-              <a:t>Menü</a:t>
-            </a:r>
-          </a:p>
-        </p:txBody>
-      </p:sp>
-      <p:sp>
-        <p:nvSpPr>
-          <p:cNvPr id="4" name="Szöveg helye 3">
-            <a:extLst>
-              <a:ext uri="{FF2B5EF4-FFF2-40B4-BE49-F238E27FC236}">
-                <a16:creationId xmlns:a16="http://schemas.microsoft.com/office/drawing/2014/main" id="{BA78EAF5-9340-471E-971D-636107A9D212}"/>
-              </a:ext>
-            </a:extLst>
-          </p:cNvPr>
-          <p:cNvSpPr>
-            <a:spLocks noGrp="1"/>
-          </p:cNvSpPr>
-          <p:nvPr>
-            <p:ph type="body" sz="half" idx="2"/>
-          </p:nvPr>
-        </p:nvSpPr>
-        <p:spPr>
-          <a:xfrm>
-            <a:off x="3416968" y="1761790"/>
-            <a:ext cx="5694947" cy="4350252"/>
-          </a:xfrm>
-        </p:spPr>
-        <p:txBody>
-          <a:bodyPr>
-            <a:normAutofit fontScale="92500"/>
-          </a:bodyPr>
-          <a:lstStyle/>
-          <a:p>
-            <a:r>
-              <a:rPr lang="hu-HU" sz="2800" dirty="0">
-                <a:solidFill>
-                  <a:schemeClr val="bg1"/>
-                </a:solidFill>
-              </a:rPr>
+              <a:rPr lang="hu-HU" sz="2400" dirty="0"/>
               <a:t>1 menüpont – Random 4 csapatos csoportok készítése a 2022/23-as Bajnokok Ligája csoportkörének csapatai közül. </a:t>
             </a:r>
           </a:p>
           <a:p>
             <a:r>
-              <a:rPr lang="hu-HU" sz="2800" dirty="0">
-                <a:solidFill>
-                  <a:schemeClr val="bg1"/>
-                </a:solidFill>
-              </a:rPr>
+              <a:rPr lang="hu-HU" sz="2400" dirty="0"/>
               <a:t>2 menüpont – Játékosok keresése a 2022/23-as Bajnokok Ligája csoportkörének csapatainak játékosai közül</a:t>
             </a:r>
           </a:p>
           <a:p>
             <a:r>
-              <a:rPr lang="hu-HU" sz="2800" dirty="0">
-                <a:solidFill>
-                  <a:schemeClr val="bg1"/>
-                </a:solidFill>
-              </a:rPr>
+              <a:rPr lang="hu-HU" sz="2400" dirty="0"/>
               <a:t>3 menüpont – Egy általunk kiválasztott csapattal tudunk egy egész Bajnokok Ligája szezont szimulálni.</a:t>
             </a:r>
           </a:p>
           <a:p>
-            <a:endParaRPr lang="hu-HU" sz="2800" dirty="0"/>
+            <a:endParaRPr lang="hu-HU" sz="2400" dirty="0"/>
           </a:p>
         </p:txBody>
       </p:sp>
@@ -3638,48 +3647,12 @@
           <a:chExt cx="0" cy="0"/>
         </a:xfrm>
       </p:grpSpPr>
-      <p:pic>
-        <p:nvPicPr>
-          <p:cNvPr id="6" name="Kép 5">
-            <a:extLst>
-              <a:ext uri="{FF2B5EF4-FFF2-40B4-BE49-F238E27FC236}">
-                <a16:creationId xmlns:a16="http://schemas.microsoft.com/office/drawing/2014/main" id="{C3B64ACD-8D6F-4937-8427-68D3ACA4E423}"/>
-              </a:ext>
-            </a:extLst>
-          </p:cNvPr>
-          <p:cNvPicPr>
-            <a:picLocks noChangeAspect="1"/>
-          </p:cNvPicPr>
-          <p:nvPr/>
-        </p:nvPicPr>
-        <p:blipFill>
-          <a:blip r:embed="rId2">
-            <a:extLst>
-              <a:ext uri="{28A0092B-C50C-407E-A947-70E740481C1C}">
-                <a14:useLocalDpi xmlns:a14="http://schemas.microsoft.com/office/drawing/2010/main" val="0"/>
-              </a:ext>
-            </a:extLst>
-          </a:blip>
-          <a:stretch>
-            <a:fillRect/>
-          </a:stretch>
-        </p:blipFill>
-        <p:spPr>
-          <a:xfrm>
-            <a:off x="1588" y="0"/>
-            <a:ext cx="12190412" cy="6858000"/>
-          </a:xfrm>
-          <a:prstGeom prst="rect">
-            <a:avLst/>
-          </a:prstGeom>
-        </p:spPr>
-      </p:pic>
       <p:sp>
         <p:nvSpPr>
           <p:cNvPr id="2" name="Cím 1">
             <a:extLst>
               <a:ext uri="{FF2B5EF4-FFF2-40B4-BE49-F238E27FC236}">
-                <a16:creationId xmlns:a16="http://schemas.microsoft.com/office/drawing/2014/main" id="{B766C009-44AD-485A-B341-3D94295C4186}"/>
+                <a16:creationId xmlns:a16="http://schemas.microsoft.com/office/drawing/2014/main" id="{4B7E03D2-5192-4CB1-8A7F-C142431D80E3}"/>
               </a:ext>
             </a:extLst>
           </p:cNvPr>
@@ -3695,14 +3668,7 @@
           <a:bodyPr/>
           <a:lstStyle/>
           <a:p>
-            <a:r>
-              <a:rPr lang="en-AU" dirty="0">
-                <a:solidFill>
-                  <a:schemeClr val="bg1"/>
-                </a:solidFill>
-              </a:rPr>
-              <a:t>Random Groups maker</a:t>
-            </a:r>
+            <a:endParaRPr lang="hu-HU"/>
           </a:p>
         </p:txBody>
       </p:sp>
@@ -3711,7 +3677,7 @@
           <p:cNvPr id="3" name="Tartalom helye 2">
             <a:extLst>
               <a:ext uri="{FF2B5EF4-FFF2-40B4-BE49-F238E27FC236}">
-                <a16:creationId xmlns:a16="http://schemas.microsoft.com/office/drawing/2014/main" id="{04BAB4CB-BF1C-429D-BF97-042A0AE31F1F}"/>
+                <a16:creationId xmlns:a16="http://schemas.microsoft.com/office/drawing/2014/main" id="{4DD63490-7201-4679-87F7-8A91043D56DF}"/>
               </a:ext>
             </a:extLst>
           </p:cNvPr>
@@ -3722,77 +3688,44 @@
             <p:ph idx="1"/>
           </p:nvPr>
         </p:nvSpPr>
-        <p:spPr>
-          <a:xfrm>
-            <a:off x="5183188" y="987425"/>
-            <a:ext cx="6172200" cy="4873625"/>
-          </a:xfrm>
-        </p:spPr>
-        <p:txBody>
-          <a:bodyPr>
-            <a:normAutofit/>
-          </a:bodyPr>
-          <a:lstStyle/>
-          <a:p>
-            <a:r>
-              <a:rPr lang="hu-HU" sz="3600" dirty="0">
-                <a:solidFill>
-                  <a:schemeClr val="bg1"/>
-                </a:solidFill>
-              </a:rPr>
-              <a:t>A random csoport készítő menüpont random 4 fős csoportokat hoz létre a 2022/23-as Bajnokok Ligája csoportkörének csapatai közül.</a:t>
-            </a:r>
-            <a:br>
-              <a:rPr lang="hu-HU" sz="3600" dirty="0">
-                <a:solidFill>
-                  <a:schemeClr val="bg1"/>
-                </a:solidFill>
-              </a:rPr>
-            </a:br>
-            <a:r>
-              <a:rPr lang="hu-HU" sz="3600" dirty="0">
-                <a:solidFill>
-                  <a:schemeClr val="bg1"/>
-                </a:solidFill>
-              </a:rPr>
-              <a:t>A létrehozott csoportokat a program egy külön </a:t>
-            </a:r>
-            <a:r>
-              <a:rPr lang="hu-HU" sz="3600" dirty="0" err="1">
-                <a:solidFill>
-                  <a:schemeClr val="bg1"/>
-                </a:solidFill>
-              </a:rPr>
-              <a:t>csv</a:t>
-            </a:r>
-            <a:r>
-              <a:rPr lang="hu-HU" sz="3600" dirty="0">
-                <a:solidFill>
-                  <a:schemeClr val="bg1"/>
-                </a:solidFill>
-              </a:rPr>
-              <a:t> fájlba írja</a:t>
-            </a:r>
-          </a:p>
-          <a:p>
-            <a:pPr marL="0" indent="0">
-              <a:buNone/>
-            </a:pPr>
-            <a:r>
-              <a:rPr lang="hu-HU" sz="3600" dirty="0">
-                <a:solidFill>
-                  <a:schemeClr val="bg1"/>
-                </a:solidFill>
-              </a:rPr>
-              <a:t> </a:t>
-            </a:r>
+        <p:spPr/>
+        <p:txBody>
+          <a:bodyPr/>
+          <a:lstStyle/>
+          <a:p>
+            <a:endParaRPr lang="hu-HU"/>
+          </a:p>
+        </p:txBody>
+      </p:sp>
+      <p:sp>
+        <p:nvSpPr>
+          <p:cNvPr id="4" name="Szöveg helye 3">
+            <a:extLst>
+              <a:ext uri="{FF2B5EF4-FFF2-40B4-BE49-F238E27FC236}">
+                <a16:creationId xmlns:a16="http://schemas.microsoft.com/office/drawing/2014/main" id="{CC4D0194-B309-4913-B26E-D02D756D9E09}"/>
+              </a:ext>
+            </a:extLst>
+          </p:cNvPr>
+          <p:cNvSpPr>
+            <a:spLocks noGrp="1"/>
+          </p:cNvSpPr>
+          <p:nvPr>
+            <p:ph type="body" sz="half" idx="2"/>
+          </p:nvPr>
+        </p:nvSpPr>
+        <p:spPr/>
+        <p:txBody>
+          <a:bodyPr/>
+          <a:lstStyle/>
+          <a:p>
+            <a:endParaRPr lang="hu-HU"/>
           </a:p>
         </p:txBody>
       </p:sp>
     </p:spTree>
     <p:extLst>
       <p:ext uri="{BB962C8B-B14F-4D97-AF65-F5344CB8AC3E}">
-        <p14:creationId xmlns:p14="http://schemas.microsoft.com/office/powerpoint/2010/main" val="872783570"/>
+        <p14:creationId xmlns:p14="http://schemas.microsoft.com/office/powerpoint/2010/main" val="3002551102"/>
       </p:ext>
     </p:extLst>
   </p:cSld>
@@ -3821,10 +3754,10 @@
       </p:grpSpPr>
       <p:pic>
         <p:nvPicPr>
-          <p:cNvPr id="7" name="Kép 6">
-            <a:extLst>
-              <a:ext uri="{FF2B5EF4-FFF2-40B4-BE49-F238E27FC236}">
-                <a16:creationId xmlns:a16="http://schemas.microsoft.com/office/drawing/2014/main" id="{EBB75B7C-BD66-4BD2-9243-9D5D6D5F087C}"/>
+          <p:cNvPr id="5" name="Kép 4">
+            <a:extLst>
+              <a:ext uri="{FF2B5EF4-FFF2-40B4-BE49-F238E27FC236}">
+                <a16:creationId xmlns:a16="http://schemas.microsoft.com/office/drawing/2014/main" id="{C546857F-9F69-4FD0-BFEF-51148597482C}"/>
               </a:ext>
             </a:extLst>
           </p:cNvPr>
@@ -3847,8 +3780,8 @@
         </p:blipFill>
         <p:spPr>
           <a:xfrm>
-            <a:off x="0" y="-32155"/>
-            <a:ext cx="12192000" cy="6890155"/>
+            <a:off x="-1" y="0"/>
+            <a:ext cx="12191999" cy="6857999"/>
           </a:xfrm>
           <a:prstGeom prst="rect">
             <a:avLst/>
@@ -3860,199 +3793,21 @@
           <p:cNvPr id="2" name="Cím 1">
             <a:extLst>
               <a:ext uri="{FF2B5EF4-FFF2-40B4-BE49-F238E27FC236}">
-                <a16:creationId xmlns:a16="http://schemas.microsoft.com/office/drawing/2014/main" id="{F1650BD4-8202-4B6A-8274-E8EEE8BD79F5}"/>
-              </a:ext>
-            </a:extLst>
-          </p:cNvPr>
-          <p:cNvSpPr>
-            <a:spLocks noGrp="1"/>
-          </p:cNvSpPr>
-          <p:nvPr>
-            <p:ph type="title"/>
-          </p:nvPr>
-        </p:nvSpPr>
-        <p:spPr/>
-        <p:txBody>
-          <a:bodyPr>
-            <a:normAutofit/>
-          </a:bodyPr>
-          <a:lstStyle/>
-          <a:p>
-            <a:r>
-              <a:rPr lang="hu-HU" sz="6000" dirty="0">
-                <a:solidFill>
-                  <a:schemeClr val="bg1"/>
-                </a:solidFill>
-              </a:rPr>
-              <a:t>CSV file</a:t>
-            </a:r>
-          </a:p>
-        </p:txBody>
-      </p:sp>
-      <p:sp>
-        <p:nvSpPr>
-          <p:cNvPr id="3" name="Tartalom helye 2">
-            <a:extLst>
-              <a:ext uri="{FF2B5EF4-FFF2-40B4-BE49-F238E27FC236}">
-                <a16:creationId xmlns:a16="http://schemas.microsoft.com/office/drawing/2014/main" id="{5E3812EA-7EB4-4C27-92A4-6D5705FF37C3}"/>
-              </a:ext>
-            </a:extLst>
-          </p:cNvPr>
-          <p:cNvSpPr>
-            <a:spLocks noGrp="1"/>
-          </p:cNvSpPr>
-          <p:nvPr>
-            <p:ph idx="1"/>
+                <a16:creationId xmlns:a16="http://schemas.microsoft.com/office/drawing/2014/main" id="{9DB4E329-FDC2-4CD6-B12B-999CE8EDD4AE}"/>
+              </a:ext>
+            </a:extLst>
+          </p:cNvPr>
+          <p:cNvSpPr>
+            <a:spLocks noGrp="1"/>
+          </p:cNvSpPr>
+          <p:nvPr>
+            <p:ph type="ctrTitle"/>
           </p:nvPr>
         </p:nvSpPr>
         <p:spPr>
           <a:xfrm>
-            <a:off x="838200" y="2141537"/>
-            <a:ext cx="10515600" cy="4351338"/>
-          </a:xfrm>
-        </p:spPr>
-        <p:txBody>
-          <a:bodyPr>
-            <a:normAutofit/>
-          </a:bodyPr>
-          <a:lstStyle/>
-          <a:p>
-            <a:pPr marL="0" indent="0">
-              <a:buNone/>
-            </a:pPr>
-            <a:r>
-              <a:rPr lang="hu-HU" sz="4000" dirty="0">
-                <a:solidFill>
-                  <a:schemeClr val="bg1"/>
-                </a:solidFill>
-              </a:rPr>
-              <a:t>A fájl tartalmazza az összes játékos nevét a 2022/23-as Bajnokok Ligája csapatai közül.</a:t>
-            </a:r>
-          </a:p>
-          <a:p>
-            <a:pPr marL="0" indent="0">
-              <a:buNone/>
-            </a:pPr>
-            <a:r>
-              <a:rPr lang="hu-HU" sz="4000" dirty="0">
-                <a:solidFill>
-                  <a:schemeClr val="bg1"/>
-                </a:solidFill>
-              </a:rPr>
-              <a:t>A játékosok névvel, életkorral, poszttal, mezszámmal és a csapatukkal rendelkezik a fájlban.</a:t>
-            </a:r>
-          </a:p>
-          <a:p>
-            <a:pPr marL="0" indent="0">
-              <a:buNone/>
-            </a:pPr>
-            <a:r>
-              <a:rPr lang="hu-HU" sz="4000" dirty="0">
-                <a:solidFill>
-                  <a:schemeClr val="bg1"/>
-                </a:solidFill>
-              </a:rPr>
-              <a:t>A menüből tudunk az általunk választott játékosokra.</a:t>
-            </a:r>
-          </a:p>
-          <a:p>
-            <a:pPr marL="0" indent="0">
-              <a:buNone/>
-            </a:pPr>
-            <a:endParaRPr lang="hu-HU" sz="4000" dirty="0">
-              <a:solidFill>
-                <a:schemeClr val="bg1"/>
-              </a:solidFill>
-            </a:endParaRPr>
-          </a:p>
-        </p:txBody>
-      </p:sp>
-    </p:spTree>
-    <p:extLst>
-      <p:ext uri="{BB962C8B-B14F-4D97-AF65-F5344CB8AC3E}">
-        <p14:creationId xmlns:p14="http://schemas.microsoft.com/office/powerpoint/2010/main" val="2831676068"/>
-      </p:ext>
-    </p:extLst>
-  </p:cSld>
-  <p:clrMapOvr>
-    <a:masterClrMapping/>
-  </p:clrMapOvr>
-</p:sld>
-</file>
-
-<file path=ppt/slides/slide5.xml><?xml version="1.0" encoding="utf-8"?>
-<p:sld xmlns:a="http://schemas.openxmlformats.org/drawingml/2006/main" xmlns:r="http://schemas.openxmlformats.org/officeDocument/2006/relationships" xmlns:p="http://schemas.openxmlformats.org/presentationml/2006/main">
-  <p:cSld>
-    <p:spTree>
-      <p:nvGrpSpPr>
-        <p:cNvPr id="1" name=""/>
-        <p:cNvGrpSpPr/>
-        <p:nvPr/>
-      </p:nvGrpSpPr>
-      <p:grpSpPr>
-        <a:xfrm>
-          <a:off x="0" y="0"/>
-          <a:ext cx="0" cy="0"/>
-          <a:chOff x="0" y="0"/>
-          <a:chExt cx="0" cy="0"/>
-        </a:xfrm>
-      </p:grpSpPr>
-      <p:pic>
-        <p:nvPicPr>
-          <p:cNvPr id="6" name="Kép 5">
-            <a:extLst>
-              <a:ext uri="{FF2B5EF4-FFF2-40B4-BE49-F238E27FC236}">
-                <a16:creationId xmlns:a16="http://schemas.microsoft.com/office/drawing/2014/main" id="{24A74596-EB2D-425E-B3D1-B1AD8D356129}"/>
-              </a:ext>
-            </a:extLst>
-          </p:cNvPr>
-          <p:cNvPicPr>
-            <a:picLocks noChangeAspect="1"/>
-          </p:cNvPicPr>
-          <p:nvPr/>
-        </p:nvPicPr>
-        <p:blipFill>
-          <a:blip r:embed="rId2">
-            <a:extLst>
-              <a:ext uri="{28A0092B-C50C-407E-A947-70E740481C1C}">
-                <a14:useLocalDpi xmlns:a14="http://schemas.microsoft.com/office/drawing/2010/main" val="0"/>
-              </a:ext>
-            </a:extLst>
-          </a:blip>
-          <a:stretch>
-            <a:fillRect/>
-          </a:stretch>
-        </p:blipFill>
-        <p:spPr>
-          <a:xfrm>
-            <a:off x="0" y="0"/>
-            <a:ext cx="12192000" cy="6858000"/>
-          </a:xfrm>
-          <a:prstGeom prst="rect">
-            <a:avLst/>
-          </a:prstGeom>
-        </p:spPr>
-      </p:pic>
-      <p:sp>
-        <p:nvSpPr>
-          <p:cNvPr id="2" name="Cím 1">
-            <a:extLst>
-              <a:ext uri="{FF2B5EF4-FFF2-40B4-BE49-F238E27FC236}">
-                <a16:creationId xmlns:a16="http://schemas.microsoft.com/office/drawing/2014/main" id="{9DB4E329-FDC2-4CD6-B12B-999CE8EDD4AE}"/>
-              </a:ext>
-            </a:extLst>
-          </p:cNvPr>
-          <p:cNvSpPr>
-            <a:spLocks noGrp="1"/>
-          </p:cNvSpPr>
-          <p:nvPr>
-            <p:ph type="ctrTitle"/>
-          </p:nvPr>
-        </p:nvSpPr>
-        <p:spPr>
-          <a:xfrm>
-            <a:off x="3657599" y="660984"/>
-            <a:ext cx="8710863" cy="2419100"/>
+            <a:off x="1524000" y="143795"/>
+            <a:ext cx="9144000" cy="2387600"/>
           </a:xfrm>
         </p:spPr>
         <p:txBody>
@@ -4108,58 +3863,6 @@
               </a:rPr>
               <a:t>Ha kérdésetek lenne azt légyszi tartsátok magatokba! Megértéseteket köszönjük!</a:t>
             </a:r>
-          </a:p>
-        </p:txBody>
-      </p:sp>
-      <p:sp>
-        <p:nvSpPr>
-          <p:cNvPr id="7" name="Téglalap 6">
-            <a:extLst>
-              <a:ext uri="{FF2B5EF4-FFF2-40B4-BE49-F238E27FC236}">
-                <a16:creationId xmlns:a16="http://schemas.microsoft.com/office/drawing/2014/main" id="{31ECCB95-CB94-46AA-8A0C-925F66848EFE}"/>
-              </a:ext>
-            </a:extLst>
-          </p:cNvPr>
-          <p:cNvSpPr/>
-          <p:nvPr/>
-        </p:nvSpPr>
-        <p:spPr>
-          <a:xfrm>
-            <a:off x="9641308" y="0"/>
-            <a:ext cx="2085473" cy="866274"/>
-          </a:xfrm>
-          <a:prstGeom prst="rect">
-            <a:avLst/>
-          </a:prstGeom>
-          <a:solidFill>
-            <a:srgbClr val="16143E"/>
-          </a:solidFill>
-          <a:ln>
-            <a:noFill/>
-          </a:ln>
-        </p:spPr>
-        <p:style>
-          <a:lnRef idx="2">
-            <a:schemeClr val="accent1">
-              <a:shade val="50000"/>
-            </a:schemeClr>
-          </a:lnRef>
-          <a:fillRef idx="1">
-            <a:schemeClr val="accent1"/>
-          </a:fillRef>
-          <a:effectRef idx="0">
-            <a:schemeClr val="accent1"/>
-          </a:effectRef>
-          <a:fontRef idx="minor">
-            <a:schemeClr val="lt1"/>
-          </a:fontRef>
-        </p:style>
-        <p:txBody>
-          <a:bodyPr rtlCol="0" anchor="ctr"/>
-          <a:lstStyle/>
-          <a:p>
-            <a:pPr algn="ctr"/>
-            <a:endParaRPr lang="hu-HU"/>
           </a:p>
         </p:txBody>
       </p:sp>
